--- a/doc/docker勉強会Vol1(Dockerの基本).pptx
+++ b/doc/docker勉強会Vol1(Dockerの基本).pptx
@@ -1039,11 +1039,7 @@
             </a:r>
             <a:r>
               <a:rPr kumimoji="1" lang="ja-JP" altLang="en-US" smtClean="0"/>
-              <a:t>の</a:t>
-            </a:r>
-            <a:r>
-              <a:rPr kumimoji="1" lang="ja-JP" altLang="en-US" smtClean="0"/>
-              <a:t>基本～</a:t>
+              <a:t>の基本～</a:t>
             </a:r>
             <a:endParaRPr kumimoji="1" lang="en-US" altLang="ja-JP" smtClean="0"/>
           </a:p>
@@ -22184,9 +22180,27 @@
             <a:pPr lvl="2"/>
             <a:r>
               <a:rPr lang="ja-JP" altLang="en-US" smtClean="0"/>
-              <a:t>ユーザ定義ネットワークはネットワーク内で名前解決可能</a:t>
-            </a:r>
-            <a:endParaRPr lang="en-US" altLang="ja-JP" smtClean="0"/>
+              <a:t>ユーザ定義ネットワークはネットワーク内で</a:t>
+            </a:r>
+            <a:r>
+              <a:rPr lang="ja-JP" altLang="en-US" smtClean="0">
+                <a:solidFill>
+                  <a:schemeClr val="accent2">
+                    <a:lumMod val="60000"/>
+                    <a:lumOff val="40000"/>
+                  </a:schemeClr>
+                </a:solidFill>
+              </a:rPr>
+              <a:t>名前解決可能</a:t>
+            </a:r>
+            <a:endParaRPr lang="en-US" altLang="ja-JP" smtClean="0">
+              <a:solidFill>
+                <a:schemeClr val="accent2">
+                  <a:lumMod val="60000"/>
+                  <a:lumOff val="40000"/>
+                </a:schemeClr>
+              </a:solidFill>
+            </a:endParaRPr>
           </a:p>
           <a:p>
             <a:pPr lvl="3"/>
